--- a/ppt/Meilenstein 3.pptx
+++ b/ppt/Meilenstein 3.pptx
@@ -116,6 +116,11 @@
       </a:defRPr>
     </a:lvl9pPr>
   </p:defaultTextStyle>
+  <p:extLst>
+    <p:ext uri="{EFAFB233-063F-42B5-8137-9DF3F51BA10A}">
+      <p15:sldGuideLst xmlns:p15="http://schemas.microsoft.com/office/powerpoint/2012/main"/>
+    </p:ext>
+  </p:extLst>
 </p:presentation>
 </file>
 
@@ -202,7 +207,7 @@
           <a:p>
             <a:fld id="{0E1F652C-3BAB-4EDE-9E1A-D337ED10589A}" type="datetimeFigureOut">
               <a:rPr lang="en-US"/>
-              <a:t>12/11/16</a:t>
+              <a:t>12/11/2016</a:t>
             </a:fld>
             <a:endParaRPr lang="en-US"/>
           </a:p>
@@ -649,7 +654,7 @@
                   <a:uFillTx/>
                 </a:defRPr>
               </a:pPr>
-              <a:t>12/11/16</a:t>
+              <a:t>12/11/2016</a:t>
             </a:fld>
             <a:endParaRPr lang="en-US" sz="1200" b="0" i="0" u="none" strike="noStrike" kern="1200" cap="none" spc="0" baseline="0">
               <a:solidFill>
@@ -925,7 +930,7 @@
             <a:fld id="{53732974-ADAE-4462-8A1B-552E9968AFAC}" type="datetime1">
               <a:rPr lang="en-US"/>
               <a:pPr lvl="0"/>
-              <a:t>12/11/16</a:t>
+              <a:t>12/11/2016</a:t>
             </a:fld>
             <a:endParaRPr lang="en-US"/>
           </a:p>
@@ -1486,7 +1491,7 @@
           <a:p>
             <a:fld id="{8D3F2916-B4F6-489C-83A3-AF7601FDD2D9}" type="datetimeFigureOut">
               <a:rPr lang="en-US"/>
-              <a:t>12/11/16</a:t>
+              <a:t>12/11/2016</a:t>
             </a:fld>
             <a:endParaRPr lang="en-US"/>
           </a:p>
@@ -1895,7 +1900,7 @@
                   <a:uFillTx/>
                 </a:defRPr>
               </a:pPr>
-              <a:t>12/11/16</a:t>
+              <a:t>12/11/2016</a:t>
             </a:fld>
             <a:endParaRPr lang="en-US" sz="1200" b="0" i="0" u="none" strike="noStrike" kern="1200" cap="none" spc="0" baseline="0">
               <a:solidFill>
@@ -2177,7 +2182,7 @@
                   <a:uFillTx/>
                 </a:defRPr>
               </a:pPr>
-              <a:t>12/11/16</a:t>
+              <a:t>12/11/2016</a:t>
             </a:fld>
             <a:endParaRPr lang="en-US" sz="1200" b="0" i="0" u="none" strike="noStrike" kern="1200" cap="none" spc="0" baseline="0">
               <a:solidFill>
@@ -2459,7 +2464,7 @@
                   <a:uFillTx/>
                 </a:defRPr>
               </a:pPr>
-              <a:t>12/11/16</a:t>
+              <a:t>12/11/2016</a:t>
             </a:fld>
             <a:endParaRPr lang="en-US" sz="1200" b="0" i="0" u="none" strike="noStrike" kern="1200" cap="none" spc="0" baseline="0">
               <a:solidFill>
@@ -2741,7 +2746,7 @@
                   <a:uFillTx/>
                 </a:defRPr>
               </a:pPr>
-              <a:t>12/11/16</a:t>
+              <a:t>12/11/2016</a:t>
             </a:fld>
             <a:endParaRPr lang="en-US" sz="1200" b="0" i="0" u="none" strike="noStrike" kern="1200" cap="none" spc="0" baseline="0">
               <a:solidFill>
@@ -3023,7 +3028,7 @@
                   <a:uFillTx/>
                 </a:defRPr>
               </a:pPr>
-              <a:t>12/11/16</a:t>
+              <a:t>12/11/2016</a:t>
             </a:fld>
             <a:endParaRPr lang="en-US" sz="1200" b="0" i="0" u="none" strike="noStrike" kern="1200" cap="none" spc="0" baseline="0">
               <a:solidFill>
@@ -7830,10 +7835,6 @@
           <a:lstStyle/>
           <a:p>
             <a:pPr lvl="0"/>
-            <a:r>
-              <a:rPr lang="en-US" dirty="0"/>
-              <a:t/>
-            </a:r>
             <a:br>
               <a:rPr lang="en-US" dirty="0"/>
             </a:br>
@@ -7846,13 +7847,8 @@
             </a:br>
             <a:r>
               <a:rPr lang="en-US" dirty="0"/>
-              <a:t>Milestone </a:t>
-            </a:r>
-            <a:r>
-              <a:rPr lang="en-US" dirty="0" smtClean="0"/>
-              <a:t>3</a:t>
-            </a:r>
-            <a:endParaRPr lang="en-US" dirty="0"/>
+              <a:t>Milestone 3</a:t>
+            </a:r>
           </a:p>
         </p:txBody>
       </p:sp>
@@ -7975,125 +7971,125 @@
               <a:buNone/>
             </a:pPr>
             <a:r>
-              <a:rPr lang="en-US" b="1" dirty="0" err="1" smtClean="0"/>
+              <a:rPr lang="en-US" b="1" dirty="0" err="1"/>
               <a:t>Visuelle</a:t>
             </a:r>
             <a:r>
-              <a:rPr lang="en-US" b="1" dirty="0" smtClean="0"/>
+              <a:rPr lang="en-US" b="1" dirty="0"/>
               <a:t> </a:t>
             </a:r>
             <a:r>
-              <a:rPr lang="en-US" b="1" dirty="0" err="1" smtClean="0"/>
+              <a:rPr lang="en-US" b="1" dirty="0" err="1"/>
               <a:t>Darstellung</a:t>
             </a:r>
             <a:r>
-              <a:rPr lang="en-US" b="1" dirty="0" smtClean="0"/>
+              <a:rPr lang="en-US" b="1" dirty="0"/>
               <a:t> </a:t>
             </a:r>
             <a:r>
-              <a:rPr lang="en-US" b="1" dirty="0" err="1" smtClean="0"/>
+              <a:rPr lang="en-US" b="1" dirty="0" err="1"/>
               <a:t>einer</a:t>
             </a:r>
             <a:r>
-              <a:rPr lang="en-US" b="1" dirty="0" smtClean="0"/>
+              <a:rPr lang="en-US" b="1" dirty="0"/>
               <a:t> </a:t>
             </a:r>
             <a:r>
-              <a:rPr lang="en-US" b="1" dirty="0" err="1" smtClean="0"/>
+              <a:rPr lang="en-US" b="1" dirty="0" err="1"/>
               <a:t>bivariaten</a:t>
             </a:r>
             <a:r>
-              <a:rPr lang="en-US" b="1" dirty="0" smtClean="0"/>
+              <a:rPr lang="en-US" b="1" dirty="0"/>
               <a:t> </a:t>
             </a:r>
             <a:r>
-              <a:rPr lang="en-US" b="1" dirty="0" err="1" smtClean="0"/>
+              <a:rPr lang="en-US" b="1" dirty="0" err="1"/>
               <a:t>Verteilung</a:t>
             </a:r>
             <a:endParaRPr lang="en-US" b="1" dirty="0"/>
           </a:p>
           <a:p>
             <a:r>
-              <a:rPr lang="en-US" dirty="0" err="1" smtClean="0"/>
+              <a:rPr lang="en-US" dirty="0" err="1"/>
               <a:t>Darstellung</a:t>
             </a:r>
             <a:r>
-              <a:rPr lang="en-US" dirty="0" smtClean="0"/>
+              <a:rPr lang="en-US" dirty="0"/>
               <a:t> </a:t>
             </a:r>
             <a:r>
-              <a:rPr lang="en-US" dirty="0" err="1" smtClean="0"/>
+              <a:rPr lang="en-US" dirty="0" err="1"/>
               <a:t>mit</a:t>
             </a:r>
             <a:r>
-              <a:rPr lang="en-US" dirty="0" smtClean="0"/>
+              <a:rPr lang="en-US" dirty="0"/>
               <a:t> </a:t>
             </a:r>
             <a:r>
-              <a:rPr lang="en-US" dirty="0" err="1" smtClean="0"/>
+              <a:rPr lang="en-US" dirty="0" err="1"/>
               <a:t>plottyjs</a:t>
             </a:r>
             <a:endParaRPr lang="en-US" dirty="0"/>
           </a:p>
           <a:p>
             <a:r>
-              <a:rPr lang="en-US" dirty="0" err="1" smtClean="0"/>
+              <a:rPr lang="en-US" dirty="0" err="1"/>
               <a:t>Daten</a:t>
             </a:r>
             <a:r>
-              <a:rPr lang="en-US" dirty="0" smtClean="0"/>
+              <a:rPr lang="en-US" dirty="0"/>
               <a:t> </a:t>
             </a:r>
             <a:r>
-              <a:rPr lang="en-US" dirty="0" err="1" smtClean="0"/>
+              <a:rPr lang="en-US" dirty="0" err="1"/>
               <a:t>werden</a:t>
             </a:r>
             <a:r>
-              <a:rPr lang="en-US" dirty="0" smtClean="0"/>
+              <a:rPr lang="en-US" dirty="0"/>
               <a:t> </a:t>
             </a:r>
             <a:r>
-              <a:rPr lang="en-US" dirty="0" err="1" smtClean="0"/>
+              <a:rPr lang="en-US" dirty="0" err="1"/>
               <a:t>über</a:t>
             </a:r>
             <a:r>
-              <a:rPr lang="en-US" dirty="0" smtClean="0"/>
+              <a:rPr lang="en-US" dirty="0"/>
               <a:t> </a:t>
             </a:r>
             <a:r>
-              <a:rPr lang="en-US" dirty="0" err="1" smtClean="0"/>
+              <a:rPr lang="en-US" dirty="0" err="1"/>
               <a:t>eine</a:t>
             </a:r>
             <a:r>
-              <a:rPr lang="en-US" dirty="0" smtClean="0"/>
+              <a:rPr lang="en-US" dirty="0"/>
               <a:t> Rest-</a:t>
             </a:r>
             <a:r>
-              <a:rPr lang="en-US" dirty="0" err="1" smtClean="0"/>
+              <a:rPr lang="en-US" dirty="0" err="1"/>
               <a:t>Schnittstelle</a:t>
             </a:r>
             <a:r>
-              <a:rPr lang="en-US" dirty="0" smtClean="0"/>
+              <a:rPr lang="en-US" dirty="0"/>
               <a:t> </a:t>
             </a:r>
             <a:r>
-              <a:rPr lang="en-US" dirty="0" err="1" smtClean="0"/>
+              <a:rPr lang="en-US" dirty="0" err="1"/>
               <a:t>abgerufen</a:t>
             </a:r>
             <a:r>
-              <a:rPr lang="en-US" dirty="0" smtClean="0"/>
+              <a:rPr lang="en-US" dirty="0"/>
               <a:t> und </a:t>
             </a:r>
             <a:r>
-              <a:rPr lang="en-US" dirty="0" err="1" smtClean="0"/>
+              <a:rPr lang="en-US" dirty="0" err="1"/>
               <a:t>im</a:t>
             </a:r>
             <a:r>
-              <a:rPr lang="en-US" dirty="0" smtClean="0"/>
+              <a:rPr lang="en-US" dirty="0"/>
               <a:t> Browser </a:t>
             </a:r>
             <a:r>
-              <a:rPr lang="en-US" dirty="0" err="1" smtClean="0"/>
+              <a:rPr lang="en-US" dirty="0" err="1"/>
               <a:t>dargestellt</a:t>
             </a:r>
             <a:endParaRPr lang="en-US" dirty="0"/>
@@ -8207,168 +8203,168 @@
               <a:buNone/>
             </a:pPr>
             <a:r>
-              <a:rPr lang="en-US" b="1" dirty="0" err="1" smtClean="0"/>
+              <a:rPr lang="en-US" b="1" dirty="0" err="1"/>
               <a:t>Visuelle</a:t>
             </a:r>
             <a:r>
-              <a:rPr lang="en-US" b="1" dirty="0" smtClean="0"/>
+              <a:rPr lang="en-US" b="1" dirty="0"/>
               <a:t> </a:t>
             </a:r>
             <a:r>
-              <a:rPr lang="en-US" b="1" dirty="0" err="1" smtClean="0"/>
+              <a:rPr lang="en-US" b="1" dirty="0" err="1"/>
               <a:t>Darstellung</a:t>
             </a:r>
             <a:r>
-              <a:rPr lang="en-US" b="1" dirty="0" smtClean="0"/>
+              <a:rPr lang="en-US" b="1" dirty="0"/>
               <a:t> der </a:t>
             </a:r>
             <a:r>
-              <a:rPr lang="en-US" b="1" dirty="0" err="1" smtClean="0"/>
+              <a:rPr lang="en-US" b="1" dirty="0" err="1"/>
               <a:t>zeitlichen</a:t>
             </a:r>
             <a:r>
-              <a:rPr lang="en-US" b="1" dirty="0" smtClean="0"/>
+              <a:rPr lang="en-US" b="1" dirty="0"/>
               <a:t> </a:t>
             </a:r>
             <a:r>
-              <a:rPr lang="en-US" b="1" dirty="0" err="1" smtClean="0"/>
+              <a:rPr lang="en-US" b="1" dirty="0" err="1"/>
               <a:t>Verteilung</a:t>
             </a:r>
             <a:r>
-              <a:rPr lang="en-US" b="1" dirty="0" smtClean="0"/>
+              <a:rPr lang="en-US" b="1" dirty="0"/>
               <a:t> der </a:t>
             </a:r>
             <a:r>
-              <a:rPr lang="en-US" b="1" dirty="0" err="1" smtClean="0"/>
+              <a:rPr lang="en-US" b="1" dirty="0" err="1"/>
               <a:t>Daten</a:t>
             </a:r>
-            <a:endParaRPr lang="en-US" b="1" dirty="0" smtClean="0"/>
-          </a:p>
-          <a:p>
-            <a:r>
-              <a:rPr lang="en-US" dirty="0" err="1" smtClean="0"/>
+            <a:endParaRPr lang="en-US" b="1" dirty="0"/>
+          </a:p>
+          <a:p>
+            <a:r>
+              <a:rPr lang="en-US" dirty="0" err="1"/>
               <a:t>Stellt</a:t>
             </a:r>
             <a:r>
-              <a:rPr lang="en-US" dirty="0" smtClean="0"/>
+              <a:rPr lang="en-US" dirty="0"/>
               <a:t> die </a:t>
             </a:r>
             <a:r>
-              <a:rPr lang="en-US" dirty="0" err="1" smtClean="0"/>
+              <a:rPr lang="en-US" dirty="0" err="1"/>
               <a:t>zeitliche</a:t>
             </a:r>
             <a:r>
-              <a:rPr lang="en-US" dirty="0" smtClean="0"/>
+              <a:rPr lang="en-US" dirty="0"/>
               <a:t> </a:t>
             </a:r>
             <a:r>
-              <a:rPr lang="en-US" dirty="0" err="1" smtClean="0"/>
+              <a:rPr lang="en-US" dirty="0" err="1"/>
               <a:t>Verteilung</a:t>
             </a:r>
             <a:r>
-              <a:rPr lang="en-US" dirty="0" smtClean="0"/>
+              <a:rPr lang="en-US" dirty="0"/>
               <a:t> der </a:t>
             </a:r>
             <a:r>
-              <a:rPr lang="en-US" dirty="0" err="1" smtClean="0"/>
+              <a:rPr lang="en-US" dirty="0" err="1"/>
               <a:t>Daten</a:t>
             </a:r>
             <a:r>
-              <a:rPr lang="en-US" dirty="0" smtClean="0"/>
+              <a:rPr lang="en-US" dirty="0"/>
               <a:t> </a:t>
             </a:r>
             <a:r>
-              <a:rPr lang="en-US" dirty="0" err="1" smtClean="0"/>
+              <a:rPr lang="en-US" dirty="0" err="1"/>
               <a:t>visuell</a:t>
             </a:r>
             <a:r>
-              <a:rPr lang="en-US" dirty="0" smtClean="0"/>
+              <a:rPr lang="en-US" dirty="0"/>
               <a:t> </a:t>
             </a:r>
             <a:r>
-              <a:rPr lang="en-US" dirty="0" err="1" smtClean="0"/>
+              <a:rPr lang="en-US" dirty="0" err="1"/>
               <a:t>dar</a:t>
             </a:r>
-            <a:endParaRPr lang="en-US" dirty="0" smtClean="0"/>
-          </a:p>
-          <a:p>
-            <a:r>
-              <a:rPr lang="en-US" dirty="0" err="1" smtClean="0"/>
+            <a:endParaRPr lang="en-US" dirty="0"/>
+          </a:p>
+          <a:p>
+            <a:r>
+              <a:rPr lang="en-US" dirty="0" err="1"/>
               <a:t>Beliebig</a:t>
             </a:r>
             <a:r>
-              <a:rPr lang="en-US" dirty="0" smtClean="0"/>
+              <a:rPr lang="en-US" dirty="0"/>
               <a:t> </a:t>
             </a:r>
             <a:r>
-              <a:rPr lang="en-US" dirty="0" err="1" smtClean="0"/>
+              <a:rPr lang="en-US" dirty="0" err="1"/>
               <a:t>zoombar</a:t>
             </a:r>
             <a:r>
-              <a:rPr lang="en-US" dirty="0" smtClean="0"/>
+              <a:rPr lang="en-US" dirty="0"/>
               <a:t>, so </a:t>
             </a:r>
             <a:r>
-              <a:rPr lang="en-US" dirty="0" err="1" smtClean="0"/>
+              <a:rPr lang="en-US" dirty="0" err="1"/>
               <a:t>dass</a:t>
             </a:r>
             <a:r>
-              <a:rPr lang="en-US" dirty="0" smtClean="0"/>
+              <a:rPr lang="en-US" dirty="0"/>
               <a:t> </a:t>
             </a:r>
             <a:r>
-              <a:rPr lang="en-US" dirty="0" err="1" smtClean="0"/>
+              <a:rPr lang="en-US" dirty="0" err="1"/>
               <a:t>eine</a:t>
             </a:r>
             <a:r>
-              <a:rPr lang="en-US" dirty="0" smtClean="0"/>
+              <a:rPr lang="en-US" dirty="0"/>
               <a:t> </a:t>
             </a:r>
             <a:r>
-              <a:rPr lang="en-US" dirty="0" err="1" smtClean="0"/>
+              <a:rPr lang="en-US" dirty="0" err="1"/>
               <a:t>individuelle</a:t>
             </a:r>
             <a:r>
-              <a:rPr lang="en-US" dirty="0" smtClean="0"/>
+              <a:rPr lang="en-US" dirty="0"/>
               <a:t> und </a:t>
             </a:r>
             <a:r>
-              <a:rPr lang="en-US" dirty="0" err="1" smtClean="0"/>
+              <a:rPr lang="en-US" dirty="0" err="1"/>
               <a:t>feinere</a:t>
             </a:r>
             <a:r>
-              <a:rPr lang="en-US" dirty="0" smtClean="0"/>
+              <a:rPr lang="en-US" dirty="0"/>
               <a:t> </a:t>
             </a:r>
             <a:r>
-              <a:rPr lang="en-US" dirty="0" err="1" smtClean="0"/>
+              <a:rPr lang="en-US" dirty="0" err="1"/>
               <a:t>Auflösung</a:t>
             </a:r>
             <a:r>
-              <a:rPr lang="en-US" dirty="0" smtClean="0"/>
+              <a:rPr lang="en-US" dirty="0"/>
               <a:t> der </a:t>
             </a:r>
             <a:r>
-              <a:rPr lang="en-US" dirty="0" err="1" smtClean="0"/>
+              <a:rPr lang="en-US" dirty="0" err="1"/>
               <a:t>Daten</a:t>
             </a:r>
             <a:r>
-              <a:rPr lang="en-US" dirty="0" smtClean="0"/>
+              <a:rPr lang="en-US" dirty="0"/>
               <a:t> </a:t>
             </a:r>
             <a:r>
-              <a:rPr lang="en-US" dirty="0" err="1" smtClean="0"/>
+              <a:rPr lang="en-US" dirty="0" err="1"/>
               <a:t>möglich</a:t>
             </a:r>
             <a:r>
-              <a:rPr lang="en-US" dirty="0" smtClean="0"/>
+              <a:rPr lang="en-US" dirty="0"/>
               <a:t> </a:t>
             </a:r>
             <a:r>
-              <a:rPr lang="en-US" dirty="0" err="1" smtClean="0"/>
+              <a:rPr lang="en-US" dirty="0" err="1"/>
               <a:t>ist</a:t>
             </a:r>
-            <a:endParaRPr lang="en-US" dirty="0" smtClean="0"/>
+            <a:endParaRPr lang="en-US" dirty="0"/>
           </a:p>
           <a:p>
             <a:pPr marL="0" lvl="0" indent="0">
@@ -8485,22 +8481,21 @@
               <a:buNone/>
             </a:pPr>
             <a:r>
-              <a:rPr lang="en-US" b="1" dirty="0" err="1" smtClean="0"/>
+              <a:rPr lang="en-US" b="1" dirty="0" err="1"/>
               <a:t>Implementierung</a:t>
             </a:r>
             <a:r>
-              <a:rPr lang="en-US" b="1" dirty="0" smtClean="0"/>
+              <a:rPr lang="en-US" b="1" dirty="0"/>
               <a:t> </a:t>
             </a:r>
             <a:r>
-              <a:rPr lang="en-US" b="1" dirty="0" err="1" smtClean="0"/>
+              <a:rPr lang="en-US" b="1" dirty="0" err="1"/>
               <a:t>eines</a:t>
             </a:r>
             <a:r>
-              <a:rPr lang="en-US" b="1" dirty="0" smtClean="0"/>
+              <a:rPr lang="en-US" b="1" dirty="0"/>
               <a:t> Filters</a:t>
             </a:r>
-            <a:endParaRPr lang="en-US" b="1" dirty="0"/>
           </a:p>
           <a:p>
             <a:pPr marL="0" lvl="0" indent="0">
@@ -8511,154 +8506,149 @@
           <a:p>
             <a:pPr lvl="0"/>
             <a:r>
-              <a:rPr lang="en-US" dirty="0" err="1" smtClean="0"/>
+              <a:rPr lang="en-US" dirty="0" err="1"/>
               <a:t>Ermöglicht</a:t>
             </a:r>
             <a:r>
-              <a:rPr lang="en-US" dirty="0" smtClean="0"/>
+              <a:rPr lang="en-US" dirty="0"/>
               <a:t> die </a:t>
             </a:r>
             <a:r>
-              <a:rPr lang="en-US" dirty="0" err="1" smtClean="0"/>
+              <a:rPr lang="en-US" dirty="0" err="1"/>
               <a:t>Filterung</a:t>
             </a:r>
             <a:r>
-              <a:rPr lang="en-US" dirty="0" smtClean="0"/>
+              <a:rPr lang="en-US" dirty="0"/>
               <a:t> der </a:t>
             </a:r>
             <a:r>
-              <a:rPr lang="en-US" dirty="0" err="1" smtClean="0"/>
+              <a:rPr lang="en-US" dirty="0" err="1"/>
               <a:t>ausgewählten</a:t>
             </a:r>
             <a:r>
-              <a:rPr lang="en-US" dirty="0" smtClean="0"/>
+              <a:rPr lang="en-US" dirty="0"/>
               <a:t> </a:t>
             </a:r>
             <a:r>
-              <a:rPr lang="en-US" dirty="0" err="1" smtClean="0"/>
+              <a:rPr lang="en-US" dirty="0" err="1"/>
               <a:t>Daten</a:t>
             </a:r>
-            <a:endParaRPr lang="en-US" dirty="0" smtClean="0"/>
+            <a:endParaRPr lang="en-US" dirty="0"/>
           </a:p>
           <a:p>
             <a:pPr lvl="0"/>
             <a:r>
-              <a:rPr lang="en-US" dirty="0" err="1" smtClean="0"/>
-              <a:t>Möglich</a:t>
-            </a:r>
-            <a:r>
-              <a:rPr lang="en-US" dirty="0" err="1" smtClean="0"/>
-              <a:t>e</a:t>
-            </a:r>
-            <a:r>
-              <a:rPr lang="en-US" dirty="0" smtClean="0"/>
+              <a:rPr lang="en-US" dirty="0" err="1"/>
+              <a:t>Mögliche</a:t>
+            </a:r>
+            <a:r>
+              <a:rPr lang="en-US" dirty="0"/>
               <a:t> </a:t>
             </a:r>
             <a:r>
-              <a:rPr lang="en-US" dirty="0" err="1" smtClean="0"/>
+              <a:rPr lang="en-US" dirty="0" err="1"/>
               <a:t>Filterauswahlen</a:t>
             </a:r>
             <a:r>
-              <a:rPr lang="en-US" dirty="0" smtClean="0"/>
+              <a:rPr lang="en-US" dirty="0"/>
               <a:t> </a:t>
             </a:r>
             <a:r>
-              <a:rPr lang="en-US" dirty="0" err="1" smtClean="0"/>
+              <a:rPr lang="en-US" dirty="0" err="1"/>
               <a:t>sind</a:t>
             </a:r>
             <a:r>
-              <a:rPr lang="en-US" dirty="0" smtClean="0"/>
+              <a:rPr lang="en-US" dirty="0"/>
               <a:t> </a:t>
             </a:r>
             <a:r>
-              <a:rPr lang="en-US" dirty="0" err="1" smtClean="0"/>
+              <a:rPr lang="en-US" dirty="0" err="1"/>
               <a:t>größer</a:t>
             </a:r>
             <a:r>
-              <a:rPr lang="en-US" dirty="0" smtClean="0"/>
+              <a:rPr lang="en-US" dirty="0"/>
               <a:t>, </a:t>
             </a:r>
             <a:r>
-              <a:rPr lang="en-US" dirty="0" err="1" smtClean="0"/>
+              <a:rPr lang="en-US" dirty="0" err="1"/>
               <a:t>gleich</a:t>
             </a:r>
             <a:r>
-              <a:rPr lang="en-US" dirty="0" smtClean="0"/>
+              <a:rPr lang="en-US" dirty="0"/>
               <a:t> </a:t>
             </a:r>
             <a:r>
-              <a:rPr lang="en-US" dirty="0" err="1" smtClean="0"/>
+              <a:rPr lang="en-US" dirty="0" err="1"/>
               <a:t>oder</a:t>
             </a:r>
             <a:r>
-              <a:rPr lang="en-US" dirty="0" smtClean="0"/>
+              <a:rPr lang="en-US" dirty="0"/>
               <a:t> </a:t>
             </a:r>
             <a:r>
-              <a:rPr lang="en-US" dirty="0" err="1" smtClean="0"/>
+              <a:rPr lang="en-US" dirty="0" err="1"/>
               <a:t>kleiner</a:t>
             </a:r>
             <a:r>
-              <a:rPr lang="en-US" dirty="0" smtClean="0"/>
+              <a:rPr lang="en-US" dirty="0"/>
               <a:t> </a:t>
             </a:r>
             <a:r>
-              <a:rPr lang="en-US" dirty="0" err="1" smtClean="0"/>
+              <a:rPr lang="en-US" dirty="0" err="1"/>
               <a:t>als</a:t>
             </a:r>
             <a:r>
-              <a:rPr lang="en-US" dirty="0" smtClean="0"/>
+              <a:rPr lang="en-US" dirty="0"/>
               <a:t> </a:t>
             </a:r>
             <a:r>
-              <a:rPr lang="en-US" dirty="0" err="1" smtClean="0"/>
+              <a:rPr lang="en-US" dirty="0" err="1"/>
               <a:t>ein</a:t>
             </a:r>
             <a:r>
-              <a:rPr lang="en-US" dirty="0" smtClean="0"/>
+              <a:rPr lang="en-US" dirty="0"/>
               <a:t> </a:t>
             </a:r>
             <a:r>
-              <a:rPr lang="en-US" dirty="0" err="1" smtClean="0"/>
+              <a:rPr lang="en-US" dirty="0" err="1"/>
               <a:t>individueller</a:t>
             </a:r>
             <a:r>
-              <a:rPr lang="en-US" dirty="0" smtClean="0"/>
+              <a:rPr lang="en-US" dirty="0"/>
               <a:t> </a:t>
             </a:r>
             <a:r>
-              <a:rPr lang="en-US" dirty="0" err="1" smtClean="0"/>
+              <a:rPr lang="en-US" dirty="0" err="1"/>
               <a:t>Vergleichswert</a:t>
             </a:r>
-            <a:endParaRPr lang="en-US" dirty="0" smtClean="0"/>
+            <a:endParaRPr lang="en-US" dirty="0"/>
           </a:p>
           <a:p>
             <a:pPr lvl="0"/>
             <a:r>
-              <a:rPr lang="en-US" dirty="0" err="1" smtClean="0"/>
+              <a:rPr lang="en-US" dirty="0" err="1"/>
               <a:t>Spezielle</a:t>
             </a:r>
             <a:r>
-              <a:rPr lang="en-US" dirty="0" smtClean="0"/>
+              <a:rPr lang="en-US" dirty="0"/>
               <a:t> </a:t>
             </a:r>
             <a:r>
-              <a:rPr lang="en-US" dirty="0" err="1" smtClean="0"/>
+              <a:rPr lang="en-US" dirty="0" err="1"/>
               <a:t>Auswahl</a:t>
             </a:r>
             <a:r>
-              <a:rPr lang="en-US" dirty="0" smtClean="0"/>
+              <a:rPr lang="en-US" dirty="0"/>
               <a:t> </a:t>
             </a:r>
             <a:r>
-              <a:rPr lang="en-US" dirty="0" err="1" smtClean="0"/>
+              <a:rPr lang="en-US" dirty="0" err="1"/>
               <a:t>für</a:t>
             </a:r>
             <a:r>
-              <a:rPr lang="en-US" dirty="0" smtClean="0"/>
+              <a:rPr lang="en-US" dirty="0"/>
               <a:t> das Datum</a:t>
             </a:r>
-            <a:endParaRPr lang="en-US" dirty="0"/>
           </a:p>
         </p:txBody>
       </p:sp>
@@ -8729,13 +8719,8 @@
             <a:pPr lvl="0"/>
             <a:r>
               <a:rPr lang="de-DE" dirty="0"/>
-              <a:t>Aufgabe </a:t>
-            </a:r>
-            <a:r>
-              <a:rPr lang="de-DE" dirty="0" smtClean="0"/>
-              <a:t>4</a:t>
-            </a:r>
-            <a:endParaRPr lang="de-DE" dirty="0"/>
+              <a:t>Aufgabe 4</a:t>
+            </a:r>
           </a:p>
         </p:txBody>
       </p:sp>
@@ -8752,7 +8737,7 @@
         <p:spPr>
           <a:xfrm>
             <a:off x="693042" y="1738512"/>
-            <a:ext cx="8694535" cy="5070448"/>
+            <a:ext cx="4530711" cy="5070448"/>
           </a:xfrm>
         </p:spPr>
         <p:txBody>
@@ -8763,10 +8748,27 @@
               <a:buNone/>
             </a:pPr>
             <a:r>
-              <a:rPr lang="de-DE" b="1" dirty="0" smtClean="0"/>
+              <a:rPr lang="de-DE" b="1" dirty="0"/>
               <a:t>Selektion von einzelnen Punkten und Datenmengen</a:t>
             </a:r>
-            <a:endParaRPr lang="de-DE" b="1" dirty="0"/>
+          </a:p>
+          <a:p>
+            <a:r>
+              <a:rPr lang="de-DE" dirty="0"/>
+              <a:t>Eigene Implementierung der Selektionsfunktion, da nicht vorhanden in Plotty.JS</a:t>
+            </a:r>
+          </a:p>
+          <a:p>
+            <a:r>
+              <a:rPr lang="de-DE" dirty="0"/>
+              <a:t>Überschreiben des Event-Handlers für das Zoomen</a:t>
+            </a:r>
+          </a:p>
+          <a:p>
+            <a:r>
+              <a:rPr lang="de-DE" dirty="0"/>
+              <a:t>REST-Schnittstelle liefert aggregierte Werte</a:t>
+            </a:r>
           </a:p>
           <a:p>
             <a:pPr marL="0" lvl="0" indent="0">
@@ -8776,6 +8778,53 @@
           </a:p>
         </p:txBody>
       </p:sp>
+      <p:pic>
+        <p:nvPicPr>
+          <p:cNvPr id="4" name="Grafik 3"/>
+          <p:cNvPicPr>
+            <a:picLocks noChangeAspect="1"/>
+          </p:cNvPicPr>
+          <p:nvPr/>
+        </p:nvPicPr>
+        <p:blipFill>
+          <a:blip r:embed="rId2"/>
+          <a:stretch>
+            <a:fillRect/>
+          </a:stretch>
+        </p:blipFill>
+        <p:spPr>
+          <a:xfrm>
+            <a:off x="5587175" y="1738512"/>
+            <a:ext cx="3920362" cy="2131540"/>
+          </a:xfrm>
+          <a:prstGeom prst="rect">
+            <a:avLst/>
+          </a:prstGeom>
+        </p:spPr>
+      </p:pic>
+      <p:pic>
+        <p:nvPicPr>
+          <p:cNvPr id="6" name="Grafik 5"/>
+          <p:cNvPicPr>
+            <a:picLocks noChangeAspect="1"/>
+          </p:cNvPicPr>
+          <p:nvPr/>
+        </p:nvPicPr>
+        <p:blipFill rotWithShape="1">
+          <a:blip r:embed="rId3"/>
+          <a:srcRect r="25034" b="24864"/>
+          <a:stretch/>
+        </p:blipFill>
+        <p:spPr>
+          <a:xfrm>
+            <a:off x="5587175" y="4273736"/>
+            <a:ext cx="3920362" cy="2234068"/>
+          </a:xfrm>
+          <a:prstGeom prst="rect">
+            <a:avLst/>
+          </a:prstGeom>
+        </p:spPr>
+      </p:pic>
     </p:spTree>
   </p:cSld>
   <p:clrMapOvr>
@@ -8824,13 +8873,8 @@
             <a:pPr lvl="0"/>
             <a:r>
               <a:rPr lang="de-DE" dirty="0"/>
-              <a:t>Aufgabe </a:t>
-            </a:r>
-            <a:r>
-              <a:rPr lang="de-DE" dirty="0"/>
-              <a:t>5</a:t>
-            </a:r>
-            <a:endParaRPr lang="de-DE" dirty="0"/>
+              <a:t>Aufgabe 5</a:t>
+            </a:r>
           </a:p>
         </p:txBody>
       </p:sp>
@@ -8858,46 +8902,45 @@
               <a:buNone/>
             </a:pPr>
             <a:r>
-              <a:rPr lang="de-DE" b="1" dirty="0" smtClean="0"/>
+              <a:rPr lang="de-DE" b="1" dirty="0"/>
               <a:t>Stufenloser Zoom</a:t>
             </a:r>
           </a:p>
           <a:p>
             <a:r>
-              <a:rPr lang="de-DE" dirty="0" smtClean="0"/>
+              <a:rPr lang="de-DE" dirty="0"/>
               <a:t>Das von uns genutzte </a:t>
             </a:r>
             <a:r>
-              <a:rPr lang="de-DE" dirty="0" err="1" smtClean="0"/>
+              <a:rPr lang="de-DE" dirty="0" err="1"/>
               <a:t>plottyjs</a:t>
             </a:r>
             <a:r>
-              <a:rPr lang="de-DE" dirty="0" smtClean="0"/>
+              <a:rPr lang="de-DE" dirty="0"/>
               <a:t> unterstützt das bereits out-</a:t>
             </a:r>
             <a:r>
-              <a:rPr lang="de-DE" dirty="0" err="1" smtClean="0"/>
+              <a:rPr lang="de-DE" dirty="0" err="1"/>
               <a:t>of</a:t>
             </a:r>
             <a:r>
-              <a:rPr lang="de-DE" dirty="0" smtClean="0"/>
+              <a:rPr lang="de-DE" dirty="0"/>
               <a:t>-</a:t>
             </a:r>
             <a:r>
-              <a:rPr lang="de-DE" dirty="0" err="1" smtClean="0"/>
+              <a:rPr lang="de-DE" dirty="0" err="1"/>
               <a:t>the</a:t>
             </a:r>
             <a:r>
-              <a:rPr lang="de-DE" dirty="0" smtClean="0"/>
+              <a:rPr lang="de-DE" dirty="0"/>
               <a:t>-box</a:t>
             </a:r>
           </a:p>
           <a:p>
             <a:r>
-              <a:rPr lang="de-DE" dirty="0" smtClean="0"/>
+              <a:rPr lang="de-DE" dirty="0"/>
               <a:t>Zusätzlich wird durch eine Selektion einer Datenmenge durch das Update des Charts auf den relevanten Bereich gezoomt.</a:t>
             </a:r>
-            <a:endParaRPr lang="de-DE" dirty="0"/>
           </a:p>
           <a:p>
             <a:pPr marL="0" lvl="0" indent="0">
@@ -8964,13 +9007,8 @@
             </a:r>
             <a:r>
               <a:rPr lang="en-US" dirty="0"/>
-              <a:t> </a:t>
-            </a:r>
-            <a:r>
-              <a:rPr lang="en-US" dirty="0" smtClean="0"/>
-              <a:t>7</a:t>
-            </a:r>
-            <a:endParaRPr lang="en-US" dirty="0"/>
+              <a:t> 7</a:t>
+            </a:r>
           </a:p>
         </p:txBody>
       </p:sp>
@@ -8998,11 +9036,11 @@
               <a:buNone/>
             </a:pPr>
             <a:r>
-              <a:rPr lang="en-US" b="1" dirty="0" smtClean="0"/>
+              <a:rPr lang="en-US" b="1" dirty="0"/>
               <a:t>History der </a:t>
             </a:r>
             <a:r>
-              <a:rPr lang="en-US" b="1" dirty="0" err="1" smtClean="0"/>
+              <a:rPr lang="en-US" b="1" dirty="0" err="1"/>
               <a:t>Visualisierungen</a:t>
             </a:r>
             <a:endParaRPr lang="en-US" b="1" dirty="0"/>
@@ -9016,177 +9054,176 @@
           <a:p>
             <a:pPr lvl="0"/>
             <a:r>
-              <a:rPr lang="en-US" dirty="0" err="1" smtClean="0"/>
+              <a:rPr lang="en-US" dirty="0" err="1"/>
               <a:t>Bei</a:t>
             </a:r>
             <a:r>
-              <a:rPr lang="en-US" dirty="0" smtClean="0"/>
+              <a:rPr lang="en-US" dirty="0"/>
               <a:t> </a:t>
             </a:r>
             <a:r>
-              <a:rPr lang="en-US" dirty="0" err="1" smtClean="0"/>
+              <a:rPr lang="en-US" dirty="0" err="1"/>
               <a:t>jedem</a:t>
             </a:r>
             <a:r>
-              <a:rPr lang="en-US" dirty="0" smtClean="0"/>
+              <a:rPr lang="en-US" dirty="0"/>
               <a:t> </a:t>
             </a:r>
             <a:r>
-              <a:rPr lang="en-US" dirty="0" err="1" smtClean="0"/>
+              <a:rPr lang="en-US" dirty="0" err="1"/>
               <a:t>Wechsel</a:t>
             </a:r>
             <a:r>
-              <a:rPr lang="en-US" dirty="0" smtClean="0"/>
+              <a:rPr lang="en-US" dirty="0"/>
               <a:t> der </a:t>
             </a:r>
             <a:r>
-              <a:rPr lang="en-US" dirty="0" err="1" smtClean="0"/>
+              <a:rPr lang="en-US" dirty="0" err="1"/>
               <a:t>Achsenvariablen</a:t>
             </a:r>
             <a:r>
-              <a:rPr lang="en-US" dirty="0" smtClean="0"/>
+              <a:rPr lang="en-US" dirty="0"/>
               <a:t> </a:t>
             </a:r>
             <a:r>
-              <a:rPr lang="en-US" dirty="0" err="1" smtClean="0"/>
+              <a:rPr lang="en-US" dirty="0" err="1"/>
               <a:t>sowie</a:t>
             </a:r>
             <a:r>
-              <a:rPr lang="en-US" dirty="0" smtClean="0"/>
+              <a:rPr lang="en-US" dirty="0"/>
               <a:t> </a:t>
             </a:r>
             <a:r>
-              <a:rPr lang="en-US" dirty="0" err="1" smtClean="0"/>
+              <a:rPr lang="en-US" dirty="0" err="1"/>
               <a:t>bei</a:t>
             </a:r>
             <a:r>
-              <a:rPr lang="en-US" dirty="0" smtClean="0"/>
+              <a:rPr lang="en-US" dirty="0"/>
               <a:t> </a:t>
             </a:r>
             <a:r>
-              <a:rPr lang="en-US" dirty="0" err="1" smtClean="0"/>
+              <a:rPr lang="en-US" dirty="0" err="1"/>
               <a:t>jedem</a:t>
             </a:r>
             <a:r>
-              <a:rPr lang="en-US" dirty="0" smtClean="0"/>
+              <a:rPr lang="en-US" dirty="0"/>
               <a:t> </a:t>
             </a:r>
             <a:r>
-              <a:rPr lang="en-US" dirty="0" err="1" smtClean="0"/>
+              <a:rPr lang="en-US" dirty="0" err="1"/>
               <a:t>Hinzufügen</a:t>
             </a:r>
             <a:r>
-              <a:rPr lang="en-US" dirty="0" smtClean="0"/>
+              <a:rPr lang="en-US" dirty="0"/>
               <a:t> </a:t>
             </a:r>
             <a:r>
-              <a:rPr lang="en-US" dirty="0" err="1" smtClean="0"/>
+              <a:rPr lang="en-US" dirty="0" err="1"/>
               <a:t>oder</a:t>
             </a:r>
             <a:r>
-              <a:rPr lang="en-US" dirty="0" smtClean="0"/>
+              <a:rPr lang="en-US" dirty="0"/>
               <a:t> </a:t>
             </a:r>
             <a:r>
-              <a:rPr lang="en-US" dirty="0" err="1" smtClean="0"/>
+              <a:rPr lang="en-US" dirty="0" err="1"/>
               <a:t>Entfernen</a:t>
             </a:r>
             <a:r>
-              <a:rPr lang="en-US" dirty="0" smtClean="0"/>
+              <a:rPr lang="en-US" dirty="0"/>
               <a:t> </a:t>
             </a:r>
             <a:r>
-              <a:rPr lang="en-US" dirty="0" err="1" smtClean="0"/>
+              <a:rPr lang="en-US" dirty="0" err="1"/>
               <a:t>eines</a:t>
             </a:r>
             <a:r>
-              <a:rPr lang="en-US" dirty="0" smtClean="0"/>
+              <a:rPr lang="en-US" dirty="0"/>
               <a:t> Filters </a:t>
             </a:r>
             <a:r>
-              <a:rPr lang="en-US" dirty="0" err="1" smtClean="0"/>
+              <a:rPr lang="en-US" dirty="0" err="1"/>
               <a:t>wird</a:t>
             </a:r>
             <a:r>
-              <a:rPr lang="en-US" dirty="0" smtClean="0"/>
+              <a:rPr lang="en-US" dirty="0"/>
               <a:t> das Chart </a:t>
             </a:r>
             <a:r>
-              <a:rPr lang="en-US" dirty="0" err="1" smtClean="0"/>
+              <a:rPr lang="en-US" dirty="0" err="1"/>
               <a:t>unterhalb</a:t>
             </a:r>
             <a:r>
-              <a:rPr lang="en-US" dirty="0" smtClean="0"/>
+              <a:rPr lang="en-US" dirty="0"/>
               <a:t> der </a:t>
             </a:r>
             <a:r>
-              <a:rPr lang="en-US" dirty="0" err="1" smtClean="0"/>
+              <a:rPr lang="en-US" dirty="0" err="1"/>
               <a:t>Bedienoberfläche</a:t>
             </a:r>
             <a:r>
-              <a:rPr lang="en-US" dirty="0" smtClean="0"/>
+              <a:rPr lang="en-US" dirty="0"/>
               <a:t> in den History Tab </a:t>
             </a:r>
             <a:r>
-              <a:rPr lang="en-US" dirty="0" err="1" smtClean="0"/>
+              <a:rPr lang="en-US" dirty="0" err="1"/>
               <a:t>eingefügt</a:t>
             </a:r>
             <a:r>
-              <a:rPr lang="en-US" dirty="0" smtClean="0"/>
+              <a:rPr lang="en-US" dirty="0"/>
               <a:t>.</a:t>
             </a:r>
           </a:p>
           <a:p>
             <a:pPr lvl="0"/>
             <a:r>
-              <a:rPr lang="en-US" dirty="0" err="1" smtClean="0"/>
+              <a:rPr lang="en-US" dirty="0" err="1"/>
               <a:t>Möglicherweise</a:t>
             </a:r>
             <a:r>
-              <a:rPr lang="en-US" dirty="0" smtClean="0"/>
+              <a:rPr lang="en-US" dirty="0"/>
               <a:t> </a:t>
             </a:r>
             <a:r>
-              <a:rPr lang="en-US" dirty="0" err="1" smtClean="0"/>
+              <a:rPr lang="en-US" dirty="0" err="1"/>
               <a:t>wird</a:t>
             </a:r>
             <a:r>
-              <a:rPr lang="en-US" dirty="0" smtClean="0"/>
+              <a:rPr lang="en-US" dirty="0"/>
               <a:t> dies </a:t>
             </a:r>
             <a:r>
-              <a:rPr lang="en-US" dirty="0" err="1" smtClean="0"/>
+              <a:rPr lang="en-US" dirty="0" err="1"/>
               <a:t>noch</a:t>
             </a:r>
             <a:r>
-              <a:rPr lang="en-US" dirty="0" smtClean="0"/>
+              <a:rPr lang="en-US" dirty="0"/>
               <a:t> um die </a:t>
             </a:r>
             <a:r>
-              <a:rPr lang="en-US" dirty="0" err="1" smtClean="0"/>
+              <a:rPr lang="en-US" dirty="0" err="1"/>
               <a:t>Speicherung</a:t>
             </a:r>
             <a:r>
-              <a:rPr lang="en-US" dirty="0" smtClean="0"/>
+              <a:rPr lang="en-US" dirty="0"/>
               <a:t> der </a:t>
             </a:r>
             <a:r>
-              <a:rPr lang="en-US" dirty="0" err="1" smtClean="0"/>
+              <a:rPr lang="en-US" dirty="0" err="1"/>
               <a:t>Selektionen</a:t>
             </a:r>
             <a:r>
-              <a:rPr lang="en-US" dirty="0" smtClean="0"/>
+              <a:rPr lang="en-US" dirty="0"/>
               <a:t> </a:t>
             </a:r>
             <a:r>
-              <a:rPr lang="en-US" dirty="0" err="1" smtClean="0"/>
+              <a:rPr lang="en-US" dirty="0" err="1"/>
               <a:t>erweitert</a:t>
             </a:r>
             <a:r>
-              <a:rPr lang="en-US" dirty="0" smtClean="0"/>
+              <a:rPr lang="en-US" dirty="0"/>
               <a:t>.</a:t>
             </a:r>
-            <a:endParaRPr lang="en-US" dirty="0"/>
           </a:p>
           <a:p>
             <a:pPr lvl="0"/>
@@ -9234,13 +9271,6 @@
   <p:clrMapOvr>
     <a:masterClrMapping/>
   </p:clrMapOvr>
-  <p:timing>
-    <p:tnLst>
-      <p:par>
-        <p:cTn id="1" dur="indefinite" restart="never" nodeType="tmRoot"/>
-      </p:par>
-    </p:tnLst>
-  </p:timing>
 </p:sld>
 </file>
 
